--- a/201 - Redeemer of Israel.pptx
+++ b/201 - Redeemer of Israel.pptx
@@ -242,7 +242,7 @@
           <a:p>
             <a:fld id="{32F7251A-AE54-443C-B8FE-5F636E835EBF}" type="datetimeFigureOut">
               <a:rPr lang="en-US" smtClean="0"/>
-              <a:t>3/4/2018</a:t>
+              <a:t>4/28/2019</a:t>
             </a:fld>
             <a:endParaRPr lang="en-US" dirty="0"/>
           </a:p>
@@ -410,7 +410,7 @@
           <a:p>
             <a:fld id="{32F7251A-AE54-443C-B8FE-5F636E835EBF}" type="datetimeFigureOut">
               <a:rPr lang="en-US" smtClean="0"/>
-              <a:t>3/4/2018</a:t>
+              <a:t>4/28/2019</a:t>
             </a:fld>
             <a:endParaRPr lang="en-US" dirty="0"/>
           </a:p>
@@ -588,7 +588,7 @@
           <a:p>
             <a:fld id="{32F7251A-AE54-443C-B8FE-5F636E835EBF}" type="datetimeFigureOut">
               <a:rPr lang="en-US" smtClean="0"/>
-              <a:t>3/4/2018</a:t>
+              <a:t>4/28/2019</a:t>
             </a:fld>
             <a:endParaRPr lang="en-US" dirty="0"/>
           </a:p>
@@ -756,7 +756,7 @@
           <a:p>
             <a:fld id="{32F7251A-AE54-443C-B8FE-5F636E835EBF}" type="datetimeFigureOut">
               <a:rPr lang="en-US" smtClean="0"/>
-              <a:t>3/4/2018</a:t>
+              <a:t>4/28/2019</a:t>
             </a:fld>
             <a:endParaRPr lang="en-US" dirty="0"/>
           </a:p>
@@ -1001,7 +1001,7 @@
           <a:p>
             <a:fld id="{32F7251A-AE54-443C-B8FE-5F636E835EBF}" type="datetimeFigureOut">
               <a:rPr lang="en-US" smtClean="0"/>
-              <a:t>3/4/2018</a:t>
+              <a:t>4/28/2019</a:t>
             </a:fld>
             <a:endParaRPr lang="en-US" dirty="0"/>
           </a:p>
@@ -1230,7 +1230,7 @@
           <a:p>
             <a:fld id="{32F7251A-AE54-443C-B8FE-5F636E835EBF}" type="datetimeFigureOut">
               <a:rPr lang="en-US" smtClean="0"/>
-              <a:t>3/4/2018</a:t>
+              <a:t>4/28/2019</a:t>
             </a:fld>
             <a:endParaRPr lang="en-US" dirty="0"/>
           </a:p>
@@ -1594,7 +1594,7 @@
           <a:p>
             <a:fld id="{32F7251A-AE54-443C-B8FE-5F636E835EBF}" type="datetimeFigureOut">
               <a:rPr lang="en-US" smtClean="0"/>
-              <a:t>3/4/2018</a:t>
+              <a:t>4/28/2019</a:t>
             </a:fld>
             <a:endParaRPr lang="en-US" dirty="0"/>
           </a:p>
@@ -1711,7 +1711,7 @@
           <a:p>
             <a:fld id="{32F7251A-AE54-443C-B8FE-5F636E835EBF}" type="datetimeFigureOut">
               <a:rPr lang="en-US" smtClean="0"/>
-              <a:t>3/4/2018</a:t>
+              <a:t>4/28/2019</a:t>
             </a:fld>
             <a:endParaRPr lang="en-US" dirty="0"/>
           </a:p>
@@ -1806,7 +1806,7 @@
           <a:p>
             <a:fld id="{32F7251A-AE54-443C-B8FE-5F636E835EBF}" type="datetimeFigureOut">
               <a:rPr lang="en-US" smtClean="0"/>
-              <a:t>3/4/2018</a:t>
+              <a:t>4/28/2019</a:t>
             </a:fld>
             <a:endParaRPr lang="en-US" dirty="0"/>
           </a:p>
@@ -2081,7 +2081,7 @@
           <a:p>
             <a:fld id="{32F7251A-AE54-443C-B8FE-5F636E835EBF}" type="datetimeFigureOut">
               <a:rPr lang="en-US" smtClean="0"/>
-              <a:t>3/4/2018</a:t>
+              <a:t>4/28/2019</a:t>
             </a:fld>
             <a:endParaRPr lang="en-US" dirty="0"/>
           </a:p>
@@ -2333,7 +2333,7 @@
           <a:p>
             <a:fld id="{32F7251A-AE54-443C-B8FE-5F636E835EBF}" type="datetimeFigureOut">
               <a:rPr lang="en-US" smtClean="0"/>
-              <a:t>3/4/2018</a:t>
+              <a:t>4/28/2019</a:t>
             </a:fld>
             <a:endParaRPr lang="en-US" dirty="0"/>
           </a:p>
@@ -2547,7 +2547,7 @@
           <a:p>
             <a:fld id="{32F7251A-AE54-443C-B8FE-5F636E835EBF}" type="datetimeFigureOut">
               <a:rPr lang="en-US" smtClean="0"/>
-              <a:t>3/4/2018</a:t>
+              <a:t>4/28/2019</a:t>
             </a:fld>
             <a:endParaRPr lang="en-US" dirty="0"/>
           </a:p>
@@ -3124,7 +3124,7 @@
                   <a:schemeClr val="bg1"/>
                 </a:solidFill>
               </a:rPr>
-              <a:t>We know he is coming to gather His sheep</a:t>
+              <a:t>We know He is coming to gather His sheep</a:t>
             </a:r>
           </a:p>
           <a:p>

--- a/201 - Redeemer of Israel.pptx
+++ b/201 - Redeemer of Israel.pptx
@@ -242,7 +242,7 @@
           <a:p>
             <a:fld id="{32F7251A-AE54-443C-B8FE-5F636E835EBF}" type="datetimeFigureOut">
               <a:rPr lang="en-US" smtClean="0"/>
-              <a:t>4/28/2019</a:t>
+              <a:t>2/2/2020</a:t>
             </a:fld>
             <a:endParaRPr lang="en-US" dirty="0"/>
           </a:p>
@@ -410,7 +410,7 @@
           <a:p>
             <a:fld id="{32F7251A-AE54-443C-B8FE-5F636E835EBF}" type="datetimeFigureOut">
               <a:rPr lang="en-US" smtClean="0"/>
-              <a:t>4/28/2019</a:t>
+              <a:t>2/2/2020</a:t>
             </a:fld>
             <a:endParaRPr lang="en-US" dirty="0"/>
           </a:p>
@@ -588,7 +588,7 @@
           <a:p>
             <a:fld id="{32F7251A-AE54-443C-B8FE-5F636E835EBF}" type="datetimeFigureOut">
               <a:rPr lang="en-US" smtClean="0"/>
-              <a:t>4/28/2019</a:t>
+              <a:t>2/2/2020</a:t>
             </a:fld>
             <a:endParaRPr lang="en-US" dirty="0"/>
           </a:p>
@@ -756,7 +756,7 @@
           <a:p>
             <a:fld id="{32F7251A-AE54-443C-B8FE-5F636E835EBF}" type="datetimeFigureOut">
               <a:rPr lang="en-US" smtClean="0"/>
-              <a:t>4/28/2019</a:t>
+              <a:t>2/2/2020</a:t>
             </a:fld>
             <a:endParaRPr lang="en-US" dirty="0"/>
           </a:p>
@@ -1001,7 +1001,7 @@
           <a:p>
             <a:fld id="{32F7251A-AE54-443C-B8FE-5F636E835EBF}" type="datetimeFigureOut">
               <a:rPr lang="en-US" smtClean="0"/>
-              <a:t>4/28/2019</a:t>
+              <a:t>2/2/2020</a:t>
             </a:fld>
             <a:endParaRPr lang="en-US" dirty="0"/>
           </a:p>
@@ -1230,7 +1230,7 @@
           <a:p>
             <a:fld id="{32F7251A-AE54-443C-B8FE-5F636E835EBF}" type="datetimeFigureOut">
               <a:rPr lang="en-US" smtClean="0"/>
-              <a:t>4/28/2019</a:t>
+              <a:t>2/2/2020</a:t>
             </a:fld>
             <a:endParaRPr lang="en-US" dirty="0"/>
           </a:p>
@@ -1594,7 +1594,7 @@
           <a:p>
             <a:fld id="{32F7251A-AE54-443C-B8FE-5F636E835EBF}" type="datetimeFigureOut">
               <a:rPr lang="en-US" smtClean="0"/>
-              <a:t>4/28/2019</a:t>
+              <a:t>2/2/2020</a:t>
             </a:fld>
             <a:endParaRPr lang="en-US" dirty="0"/>
           </a:p>
@@ -1711,7 +1711,7 @@
           <a:p>
             <a:fld id="{32F7251A-AE54-443C-B8FE-5F636E835EBF}" type="datetimeFigureOut">
               <a:rPr lang="en-US" smtClean="0"/>
-              <a:t>4/28/2019</a:t>
+              <a:t>2/2/2020</a:t>
             </a:fld>
             <a:endParaRPr lang="en-US" dirty="0"/>
           </a:p>
@@ -1806,7 +1806,7 @@
           <a:p>
             <a:fld id="{32F7251A-AE54-443C-B8FE-5F636E835EBF}" type="datetimeFigureOut">
               <a:rPr lang="en-US" smtClean="0"/>
-              <a:t>4/28/2019</a:t>
+              <a:t>2/2/2020</a:t>
             </a:fld>
             <a:endParaRPr lang="en-US" dirty="0"/>
           </a:p>
@@ -2081,7 +2081,7 @@
           <a:p>
             <a:fld id="{32F7251A-AE54-443C-B8FE-5F636E835EBF}" type="datetimeFigureOut">
               <a:rPr lang="en-US" smtClean="0"/>
-              <a:t>4/28/2019</a:t>
+              <a:t>2/2/2020</a:t>
             </a:fld>
             <a:endParaRPr lang="en-US" dirty="0"/>
           </a:p>
@@ -2333,7 +2333,7 @@
           <a:p>
             <a:fld id="{32F7251A-AE54-443C-B8FE-5F636E835EBF}" type="datetimeFigureOut">
               <a:rPr lang="en-US" smtClean="0"/>
-              <a:t>4/28/2019</a:t>
+              <a:t>2/2/2020</a:t>
             </a:fld>
             <a:endParaRPr lang="en-US" dirty="0"/>
           </a:p>
@@ -2400,7 +2400,9 @@
     <p:bg>
       <p:bgPr>
         <a:solidFill>
-          <a:srgbClr val="333333"/>
+          <a:schemeClr val="bg1">
+            <a:lumMod val="10000"/>
+          </a:schemeClr>
         </a:solidFill>
         <a:effectLst/>
       </p:bgPr>
@@ -2547,7 +2549,7 @@
           <a:p>
             <a:fld id="{32F7251A-AE54-443C-B8FE-5F636E835EBF}" type="datetimeFigureOut">
               <a:rPr lang="en-US" smtClean="0"/>
-              <a:t>4/28/2019</a:t>
+              <a:t>2/2/2020</a:t>
             </a:fld>
             <a:endParaRPr lang="en-US" dirty="0"/>
           </a:p>
@@ -3029,15 +3031,23 @@
           <a:bodyPr wrap="square" rtlCol="0" anchor="ctr">
             <a:spAutoFit/>
           </a:bodyPr>
-          <a:lstStyle/>
-          <a:p>
-            <a:pPr algn="ctr"/>
-            <a:r>
-              <a:rPr lang="en-US" sz="4800" dirty="0">
+          <a:lstStyle>
+            <a:defPPr>
+              <a:defRPr lang="en-US"/>
+            </a:defPPr>
+            <a:lvl1pPr algn="ctr">
+              <a:defRPr sz="3200" u="sng">
                 <a:solidFill>
                   <a:schemeClr val="bg1"/>
                 </a:solidFill>
-              </a:rPr>
+                <a:latin typeface="Assistant SemiBold" panose="00000700000000000000" pitchFamily="2" charset="-79"/>
+                <a:cs typeface="Assistant SemiBold" panose="00000700000000000000" pitchFamily="2" charset="-79"/>
+              </a:defRPr>
+            </a:lvl1pPr>
+          </a:lstStyle>
+          <a:p>
+            <a:r>
+              <a:rPr lang="en-US" dirty="0"/>
               <a:t>“Redeemer of Israel”</a:t>
             </a:r>
           </a:p>
@@ -3051,8 +3061,8 @@
         </p:nvSpPr>
         <p:spPr>
           <a:xfrm>
-            <a:off x="0" y="248013"/>
-            <a:ext cx="12192000" cy="5078313"/>
+            <a:off x="0" y="623793"/>
+            <a:ext cx="12192000" cy="4093428"/>
           </a:xfrm>
           <a:prstGeom prst="rect">
             <a:avLst/>
@@ -3063,100 +3073,68 @@
           <a:bodyPr wrap="square" rtlCol="0">
             <a:spAutoFit/>
           </a:bodyPr>
-          <a:lstStyle/>
-          <a:p>
-            <a:pPr algn="ctr"/>
-            <a:r>
-              <a:rPr lang="en-US" sz="3600" dirty="0">
+          <a:lstStyle>
+            <a:defPPr>
+              <a:defRPr lang="en-US"/>
+            </a:defPPr>
+            <a:lvl1pPr algn="ctr">
+              <a:defRPr sz="2800" spc="50">
                 <a:solidFill>
                   <a:schemeClr val="bg1"/>
                 </a:solidFill>
-              </a:rPr>
+                <a:latin typeface="Assistant" panose="00000500000000000000" pitchFamily="2" charset="-79"/>
+                <a:cs typeface="Assistant" panose="00000500000000000000" pitchFamily="2" charset="-79"/>
+              </a:defRPr>
+            </a:lvl1pPr>
+          </a:lstStyle>
+          <a:p>
+            <a:r>
+              <a:rPr lang="en-US" dirty="0"/>
               <a:t>Redeemer of Israel, our only delight,</a:t>
             </a:r>
           </a:p>
           <a:p>
-            <a:pPr algn="ctr"/>
-            <a:r>
-              <a:rPr lang="en-US" sz="3600" dirty="0">
-                <a:solidFill>
-                  <a:schemeClr val="bg1"/>
-                </a:solidFill>
-              </a:rPr>
+            <a:r>
+              <a:rPr lang="en-US" dirty="0"/>
               <a:t>On whom for a blessing we call,</a:t>
             </a:r>
           </a:p>
           <a:p>
-            <a:pPr algn="ctr"/>
-            <a:r>
-              <a:rPr lang="en-US" sz="3600" dirty="0">
-                <a:solidFill>
-                  <a:schemeClr val="bg1"/>
-                </a:solidFill>
-              </a:rPr>
+            <a:r>
+              <a:rPr lang="en-US" dirty="0"/>
               <a:t>Our shadow by day, and our pillar by night,</a:t>
             </a:r>
           </a:p>
           <a:p>
-            <a:pPr algn="ctr"/>
-            <a:r>
-              <a:rPr lang="en-US" sz="3600" dirty="0">
-                <a:solidFill>
-                  <a:schemeClr val="bg1"/>
-                </a:solidFill>
-              </a:rPr>
+            <a:r>
+              <a:rPr lang="en-US" dirty="0"/>
               <a:t>Our King our Companion, our All!</a:t>
             </a:r>
           </a:p>
           <a:p>
-            <a:pPr algn="ctr"/>
-            <a:endParaRPr lang="en-US" sz="3600" dirty="0">
-              <a:solidFill>
-                <a:schemeClr val="bg1"/>
-              </a:solidFill>
-            </a:endParaRPr>
-          </a:p>
-          <a:p>
-            <a:pPr algn="ctr"/>
-            <a:r>
-              <a:rPr lang="en-US" sz="3600" dirty="0">
-                <a:solidFill>
-                  <a:schemeClr val="bg1"/>
-                </a:solidFill>
-              </a:rPr>
+            <a:endParaRPr lang="en-US" dirty="0"/>
+          </a:p>
+          <a:p>
+            <a:r>
+              <a:rPr lang="en-US" dirty="0"/>
               <a:t>We know He is coming to gather His sheep</a:t>
             </a:r>
           </a:p>
           <a:p>
-            <a:pPr algn="ctr"/>
-            <a:r>
-              <a:rPr lang="en-US" sz="3600" dirty="0">
-                <a:solidFill>
-                  <a:schemeClr val="bg1"/>
-                </a:solidFill>
-              </a:rPr>
+            <a:r>
+              <a:rPr lang="en-US" dirty="0"/>
               <a:t>And plant them in Zion in love;</a:t>
             </a:r>
           </a:p>
           <a:p>
-            <a:pPr algn="ctr"/>
-            <a:r>
-              <a:rPr lang="en-US" sz="3600" dirty="0">
-                <a:solidFill>
-                  <a:schemeClr val="bg1"/>
-                </a:solidFill>
-              </a:rPr>
+            <a:r>
+              <a:rPr lang="en-US" dirty="0"/>
               <a:t>For why in the valley of death should they weep</a:t>
             </a:r>
           </a:p>
           <a:p>
-            <a:pPr algn="ctr"/>
-            <a:r>
-              <a:rPr lang="en-US" sz="3600" dirty="0">
-                <a:solidFill>
-                  <a:schemeClr val="bg1"/>
-                </a:solidFill>
-              </a:rPr>
+            <a:r>
+              <a:rPr lang="en-US" dirty="0"/>
               <a:t>Or alone in the wilderness rove?</a:t>
             </a:r>
           </a:p>
@@ -3269,15 +3247,23 @@
           <a:bodyPr wrap="square" rtlCol="0" anchor="ctr">
             <a:spAutoFit/>
           </a:bodyPr>
-          <a:lstStyle/>
-          <a:p>
-            <a:pPr algn="ctr"/>
-            <a:r>
-              <a:rPr lang="en-US" sz="4800" dirty="0">
+          <a:lstStyle>
+            <a:defPPr>
+              <a:defRPr lang="en-US"/>
+            </a:defPPr>
+            <a:lvl1pPr algn="ctr">
+              <a:defRPr sz="3200" u="sng">
                 <a:solidFill>
                   <a:schemeClr val="bg1"/>
                 </a:solidFill>
-              </a:rPr>
+                <a:latin typeface="Assistant SemiBold" panose="00000700000000000000" pitchFamily="2" charset="-79"/>
+                <a:cs typeface="Assistant SemiBold" panose="00000700000000000000" pitchFamily="2" charset="-79"/>
+              </a:defRPr>
+            </a:lvl1pPr>
+          </a:lstStyle>
+          <a:p>
+            <a:r>
+              <a:rPr lang="en-US" dirty="0"/>
               <a:t>“Redeemer of Israel”</a:t>
             </a:r>
           </a:p>
@@ -3291,8 +3277,8 @@
         </p:nvSpPr>
         <p:spPr>
           <a:xfrm>
-            <a:off x="0" y="248013"/>
-            <a:ext cx="12192000" cy="5078313"/>
+            <a:off x="0" y="724001"/>
+            <a:ext cx="12192000" cy="4093428"/>
           </a:xfrm>
           <a:prstGeom prst="rect">
             <a:avLst/>
@@ -3303,100 +3289,68 @@
           <a:bodyPr wrap="square" rtlCol="0">
             <a:spAutoFit/>
           </a:bodyPr>
-          <a:lstStyle/>
-          <a:p>
-            <a:pPr algn="ctr"/>
-            <a:r>
-              <a:rPr lang="en-US" sz="3600" dirty="0">
+          <a:lstStyle>
+            <a:defPPr>
+              <a:defRPr lang="en-US"/>
+            </a:defPPr>
+            <a:lvl1pPr algn="ctr">
+              <a:defRPr sz="2800" spc="50">
                 <a:solidFill>
                   <a:schemeClr val="bg1"/>
                 </a:solidFill>
-              </a:rPr>
+                <a:latin typeface="Assistant" panose="00000500000000000000" pitchFamily="2" charset="-79"/>
+                <a:cs typeface="Assistant" panose="00000500000000000000" pitchFamily="2" charset="-79"/>
+              </a:defRPr>
+            </a:lvl1pPr>
+          </a:lstStyle>
+          <a:p>
+            <a:r>
+              <a:rPr lang="en-US" dirty="0"/>
               <a:t>How long we have wandered as strangers in sin</a:t>
             </a:r>
           </a:p>
           <a:p>
-            <a:pPr algn="ctr"/>
-            <a:r>
-              <a:rPr lang="en-US" sz="3600" dirty="0">
-                <a:solidFill>
-                  <a:schemeClr val="bg1"/>
-                </a:solidFill>
-              </a:rPr>
+            <a:r>
+              <a:rPr lang="en-US" dirty="0"/>
               <a:t>And cried in the desert for Thee!</a:t>
             </a:r>
           </a:p>
           <a:p>
-            <a:pPr algn="ctr"/>
-            <a:r>
-              <a:rPr lang="en-US" sz="3600" dirty="0">
-                <a:solidFill>
-                  <a:schemeClr val="bg1"/>
-                </a:solidFill>
-              </a:rPr>
+            <a:r>
+              <a:rPr lang="en-US" dirty="0"/>
               <a:t>Our foes have rejoiced when our sorrows they’ve seen,</a:t>
             </a:r>
           </a:p>
           <a:p>
-            <a:pPr algn="ctr"/>
-            <a:r>
-              <a:rPr lang="en-US" sz="3600" dirty="0">
-                <a:solidFill>
-                  <a:schemeClr val="bg1"/>
-                </a:solidFill>
-              </a:rPr>
+            <a:r>
+              <a:rPr lang="en-US" dirty="0"/>
               <a:t>But Israel will shortly be free.</a:t>
             </a:r>
           </a:p>
           <a:p>
-            <a:pPr algn="ctr"/>
-            <a:endParaRPr lang="en-US" sz="3600" dirty="0">
-              <a:solidFill>
-                <a:schemeClr val="bg1"/>
-              </a:solidFill>
-            </a:endParaRPr>
-          </a:p>
-          <a:p>
-            <a:pPr algn="ctr"/>
-            <a:r>
-              <a:rPr lang="en-US" sz="3600" dirty="0">
-                <a:solidFill>
-                  <a:schemeClr val="bg1"/>
-                </a:solidFill>
-              </a:rPr>
+            <a:endParaRPr lang="en-US" dirty="0"/>
+          </a:p>
+          <a:p>
+            <a:r>
+              <a:rPr lang="en-US" dirty="0"/>
               <a:t>As children of Zion, good tidings for us,</a:t>
             </a:r>
           </a:p>
           <a:p>
-            <a:pPr algn="ctr"/>
-            <a:r>
-              <a:rPr lang="en-US" sz="3600" dirty="0">
-                <a:solidFill>
-                  <a:schemeClr val="bg1"/>
-                </a:solidFill>
-              </a:rPr>
+            <a:r>
+              <a:rPr lang="en-US" dirty="0"/>
               <a:t>The tokens already appear;</a:t>
             </a:r>
           </a:p>
           <a:p>
-            <a:pPr algn="ctr"/>
-            <a:r>
-              <a:rPr lang="en-US" sz="3600" dirty="0">
-                <a:solidFill>
-                  <a:schemeClr val="bg1"/>
-                </a:solidFill>
-              </a:rPr>
+            <a:r>
+              <a:rPr lang="en-US" dirty="0"/>
               <a:t>Fear not and be just, for the Kingdom is ours,</a:t>
             </a:r>
           </a:p>
           <a:p>
-            <a:pPr algn="ctr"/>
-            <a:r>
-              <a:rPr lang="en-US" sz="3600" dirty="0">
-                <a:solidFill>
-                  <a:schemeClr val="bg1"/>
-                </a:solidFill>
-              </a:rPr>
+            <a:r>
+              <a:rPr lang="en-US" dirty="0"/>
               <a:t>And the hour of redemption is near.</a:t>
             </a:r>
           </a:p>

--- a/201 - Redeemer of Israel.pptx
+++ b/201 - Redeemer of Israel.pptx
@@ -242,7 +242,7 @@
           <a:p>
             <a:fld id="{32F7251A-AE54-443C-B8FE-5F636E835EBF}" type="datetimeFigureOut">
               <a:rPr lang="en-US" smtClean="0"/>
-              <a:t>2/2/2020</a:t>
+              <a:t>11/1/2020</a:t>
             </a:fld>
             <a:endParaRPr lang="en-US" dirty="0"/>
           </a:p>
@@ -410,7 +410,7 @@
           <a:p>
             <a:fld id="{32F7251A-AE54-443C-B8FE-5F636E835EBF}" type="datetimeFigureOut">
               <a:rPr lang="en-US" smtClean="0"/>
-              <a:t>2/2/2020</a:t>
+              <a:t>11/1/2020</a:t>
             </a:fld>
             <a:endParaRPr lang="en-US" dirty="0"/>
           </a:p>
@@ -588,7 +588,7 @@
           <a:p>
             <a:fld id="{32F7251A-AE54-443C-B8FE-5F636E835EBF}" type="datetimeFigureOut">
               <a:rPr lang="en-US" smtClean="0"/>
-              <a:t>2/2/2020</a:t>
+              <a:t>11/1/2020</a:t>
             </a:fld>
             <a:endParaRPr lang="en-US" dirty="0"/>
           </a:p>
@@ -756,7 +756,7 @@
           <a:p>
             <a:fld id="{32F7251A-AE54-443C-B8FE-5F636E835EBF}" type="datetimeFigureOut">
               <a:rPr lang="en-US" smtClean="0"/>
-              <a:t>2/2/2020</a:t>
+              <a:t>11/1/2020</a:t>
             </a:fld>
             <a:endParaRPr lang="en-US" dirty="0"/>
           </a:p>
@@ -1001,7 +1001,7 @@
           <a:p>
             <a:fld id="{32F7251A-AE54-443C-B8FE-5F636E835EBF}" type="datetimeFigureOut">
               <a:rPr lang="en-US" smtClean="0"/>
-              <a:t>2/2/2020</a:t>
+              <a:t>11/1/2020</a:t>
             </a:fld>
             <a:endParaRPr lang="en-US" dirty="0"/>
           </a:p>
@@ -1230,7 +1230,7 @@
           <a:p>
             <a:fld id="{32F7251A-AE54-443C-B8FE-5F636E835EBF}" type="datetimeFigureOut">
               <a:rPr lang="en-US" smtClean="0"/>
-              <a:t>2/2/2020</a:t>
+              <a:t>11/1/2020</a:t>
             </a:fld>
             <a:endParaRPr lang="en-US" dirty="0"/>
           </a:p>
@@ -1594,7 +1594,7 @@
           <a:p>
             <a:fld id="{32F7251A-AE54-443C-B8FE-5F636E835EBF}" type="datetimeFigureOut">
               <a:rPr lang="en-US" smtClean="0"/>
-              <a:t>2/2/2020</a:t>
+              <a:t>11/1/2020</a:t>
             </a:fld>
             <a:endParaRPr lang="en-US" dirty="0"/>
           </a:p>
@@ -1711,7 +1711,7 @@
           <a:p>
             <a:fld id="{32F7251A-AE54-443C-B8FE-5F636E835EBF}" type="datetimeFigureOut">
               <a:rPr lang="en-US" smtClean="0"/>
-              <a:t>2/2/2020</a:t>
+              <a:t>11/1/2020</a:t>
             </a:fld>
             <a:endParaRPr lang="en-US" dirty="0"/>
           </a:p>
@@ -1806,7 +1806,7 @@
           <a:p>
             <a:fld id="{32F7251A-AE54-443C-B8FE-5F636E835EBF}" type="datetimeFigureOut">
               <a:rPr lang="en-US" smtClean="0"/>
-              <a:t>2/2/2020</a:t>
+              <a:t>11/1/2020</a:t>
             </a:fld>
             <a:endParaRPr lang="en-US" dirty="0"/>
           </a:p>
@@ -2081,7 +2081,7 @@
           <a:p>
             <a:fld id="{32F7251A-AE54-443C-B8FE-5F636E835EBF}" type="datetimeFigureOut">
               <a:rPr lang="en-US" smtClean="0"/>
-              <a:t>2/2/2020</a:t>
+              <a:t>11/1/2020</a:t>
             </a:fld>
             <a:endParaRPr lang="en-US" dirty="0"/>
           </a:p>
@@ -2333,7 +2333,7 @@
           <a:p>
             <a:fld id="{32F7251A-AE54-443C-B8FE-5F636E835EBF}" type="datetimeFigureOut">
               <a:rPr lang="en-US" smtClean="0"/>
-              <a:t>2/2/2020</a:t>
+              <a:t>11/1/2020</a:t>
             </a:fld>
             <a:endParaRPr lang="en-US" dirty="0"/>
           </a:p>
@@ -2549,7 +2549,7 @@
           <a:p>
             <a:fld id="{32F7251A-AE54-443C-B8FE-5F636E835EBF}" type="datetimeFigureOut">
               <a:rPr lang="en-US" smtClean="0"/>
-              <a:t>2/2/2020</a:t>
+              <a:t>11/1/2020</a:t>
             </a:fld>
             <a:endParaRPr lang="en-US" dirty="0"/>
           </a:p>
